--- a/assets/Component Icons.pptx
+++ b/assets/Component Icons.pptx
@@ -6,6 +6,7 @@
   </p:sldMasterIdLst>
   <p:sldIdLst>
     <p:sldId id="256" r:id="rId2"/>
+    <p:sldId id="257" r:id="rId3"/>
   </p:sldIdLst>
   <p:sldSz cx="12192000" cy="6858000"/>
   <p:notesSz cx="6858000" cy="9144000"/>
@@ -368,7 +369,7 @@
           <a:p>
             <a:fld id="{01EAF452-0248-47D3-87EB-86F547FEC4D2}" type="datetimeFigureOut">
               <a:rPr lang="de-DE" smtClean="0"/>
-              <a:t>05.09.2022</a:t>
+              <a:t>07.09.2022</a:t>
             </a:fld>
             <a:endParaRPr lang="de-DE"/>
           </a:p>
@@ -566,7 +567,7 @@
           <a:p>
             <a:fld id="{01EAF452-0248-47D3-87EB-86F547FEC4D2}" type="datetimeFigureOut">
               <a:rPr lang="de-DE" smtClean="0"/>
-              <a:t>05.09.2022</a:t>
+              <a:t>07.09.2022</a:t>
             </a:fld>
             <a:endParaRPr lang="de-DE"/>
           </a:p>
@@ -774,7 +775,7 @@
           <a:p>
             <a:fld id="{01EAF452-0248-47D3-87EB-86F547FEC4D2}" type="datetimeFigureOut">
               <a:rPr lang="de-DE" smtClean="0"/>
-              <a:t>05.09.2022</a:t>
+              <a:t>07.09.2022</a:t>
             </a:fld>
             <a:endParaRPr lang="de-DE"/>
           </a:p>
@@ -972,7 +973,7 @@
           <a:p>
             <a:fld id="{01EAF452-0248-47D3-87EB-86F547FEC4D2}" type="datetimeFigureOut">
               <a:rPr lang="de-DE" smtClean="0"/>
-              <a:t>05.09.2022</a:t>
+              <a:t>07.09.2022</a:t>
             </a:fld>
             <a:endParaRPr lang="de-DE"/>
           </a:p>
@@ -1247,7 +1248,7 @@
           <a:p>
             <a:fld id="{01EAF452-0248-47D3-87EB-86F547FEC4D2}" type="datetimeFigureOut">
               <a:rPr lang="de-DE" smtClean="0"/>
-              <a:t>05.09.2022</a:t>
+              <a:t>07.09.2022</a:t>
             </a:fld>
             <a:endParaRPr lang="de-DE"/>
           </a:p>
@@ -1512,7 +1513,7 @@
           <a:p>
             <a:fld id="{01EAF452-0248-47D3-87EB-86F547FEC4D2}" type="datetimeFigureOut">
               <a:rPr lang="de-DE" smtClean="0"/>
-              <a:t>05.09.2022</a:t>
+              <a:t>07.09.2022</a:t>
             </a:fld>
             <a:endParaRPr lang="de-DE"/>
           </a:p>
@@ -1924,7 +1925,7 @@
           <a:p>
             <a:fld id="{01EAF452-0248-47D3-87EB-86F547FEC4D2}" type="datetimeFigureOut">
               <a:rPr lang="de-DE" smtClean="0"/>
-              <a:t>05.09.2022</a:t>
+              <a:t>07.09.2022</a:t>
             </a:fld>
             <a:endParaRPr lang="de-DE"/>
           </a:p>
@@ -2065,7 +2066,7 @@
           <a:p>
             <a:fld id="{01EAF452-0248-47D3-87EB-86F547FEC4D2}" type="datetimeFigureOut">
               <a:rPr lang="de-DE" smtClean="0"/>
-              <a:t>05.09.2022</a:t>
+              <a:t>07.09.2022</a:t>
             </a:fld>
             <a:endParaRPr lang="de-DE"/>
           </a:p>
@@ -2178,7 +2179,7 @@
           <a:p>
             <a:fld id="{01EAF452-0248-47D3-87EB-86F547FEC4D2}" type="datetimeFigureOut">
               <a:rPr lang="de-DE" smtClean="0"/>
-              <a:t>05.09.2022</a:t>
+              <a:t>07.09.2022</a:t>
             </a:fld>
             <a:endParaRPr lang="de-DE"/>
           </a:p>
@@ -2489,7 +2490,7 @@
           <a:p>
             <a:fld id="{01EAF452-0248-47D3-87EB-86F547FEC4D2}" type="datetimeFigureOut">
               <a:rPr lang="de-DE" smtClean="0"/>
-              <a:t>05.09.2022</a:t>
+              <a:t>07.09.2022</a:t>
             </a:fld>
             <a:endParaRPr lang="de-DE"/>
           </a:p>
@@ -2777,7 +2778,7 @@
           <a:p>
             <a:fld id="{01EAF452-0248-47D3-87EB-86F547FEC4D2}" type="datetimeFigureOut">
               <a:rPr lang="de-DE" smtClean="0"/>
-              <a:t>05.09.2022</a:t>
+              <a:t>07.09.2022</a:t>
             </a:fld>
             <a:endParaRPr lang="de-DE"/>
           </a:p>
@@ -3018,7 +3019,7 @@
           <a:p>
             <a:fld id="{01EAF452-0248-47D3-87EB-86F547FEC4D2}" type="datetimeFigureOut">
               <a:rPr lang="de-DE" smtClean="0"/>
-              <a:t>05.09.2022</a:t>
+              <a:t>07.09.2022</a:t>
             </a:fld>
             <a:endParaRPr lang="de-DE"/>
           </a:p>
@@ -3778,6 +3779,220 @@
 </p:sld>
 </file>
 
+<file path=ppt/slides/slide2.xml><?xml version="1.0" encoding="utf-8"?>
+<p:sld xmlns:a="http://schemas.openxmlformats.org/drawingml/2006/main" xmlns:r="http://schemas.openxmlformats.org/officeDocument/2006/relationships" xmlns:p="http://schemas.openxmlformats.org/presentationml/2006/main">
+  <p:cSld>
+    <p:spTree>
+      <p:nvGrpSpPr>
+        <p:cNvPr id="1" name=""/>
+        <p:cNvGrpSpPr/>
+        <p:nvPr/>
+      </p:nvGrpSpPr>
+      <p:grpSpPr>
+        <a:xfrm>
+          <a:off x="0" y="0"/>
+          <a:ext cx="0" cy="0"/>
+          <a:chOff x="0" y="0"/>
+          <a:chExt cx="0" cy="0"/>
+        </a:xfrm>
+      </p:grpSpPr>
+      <p:grpSp>
+        <p:nvGrpSpPr>
+          <p:cNvPr id="4" name="Gruppieren 3">
+            <a:extLst>
+              <a:ext uri="{FF2B5EF4-FFF2-40B4-BE49-F238E27FC236}">
+                <a16:creationId xmlns:a16="http://schemas.microsoft.com/office/drawing/2014/main" id="{EE87D2ED-E256-499E-B5EA-54BC3A5479A2}"/>
+              </a:ext>
+            </a:extLst>
+          </p:cNvPr>
+          <p:cNvGrpSpPr/>
+          <p:nvPr/>
+        </p:nvGrpSpPr>
+        <p:grpSpPr>
+          <a:xfrm>
+            <a:off x="910465" y="561365"/>
+            <a:ext cx="3070842" cy="1543050"/>
+            <a:chOff x="4361588" y="875997"/>
+            <a:chExt cx="3070842" cy="1543050"/>
+          </a:xfrm>
+        </p:grpSpPr>
+        <p:pic>
+          <p:nvPicPr>
+            <p:cNvPr id="3" name="Grafik 2">
+              <a:extLst>
+                <a:ext uri="{FF2B5EF4-FFF2-40B4-BE49-F238E27FC236}">
+                  <a16:creationId xmlns:a16="http://schemas.microsoft.com/office/drawing/2014/main" id="{AA38FF0D-F9E6-4905-B952-ABD321E4A5C1}"/>
+                </a:ext>
+              </a:extLst>
+            </p:cNvPr>
+            <p:cNvPicPr>
+              <a:picLocks noChangeAspect="1"/>
+            </p:cNvPicPr>
+            <p:nvPr/>
+          </p:nvPicPr>
+          <p:blipFill>
+            <a:blip r:embed="rId2"/>
+            <a:stretch>
+              <a:fillRect/>
+            </a:stretch>
+          </p:blipFill>
+          <p:spPr>
+            <a:xfrm>
+              <a:off x="4361588" y="875997"/>
+              <a:ext cx="3070842" cy="1543050"/>
+            </a:xfrm>
+            <a:prstGeom prst="rect">
+              <a:avLst/>
+            </a:prstGeom>
+          </p:spPr>
+        </p:pic>
+        <p:sp>
+          <p:nvSpPr>
+            <p:cNvPr id="26" name="Textfeld 25">
+              <a:extLst>
+                <a:ext uri="{FF2B5EF4-FFF2-40B4-BE49-F238E27FC236}">
+                  <a16:creationId xmlns:a16="http://schemas.microsoft.com/office/drawing/2014/main" id="{3DAAE984-ED11-4E4E-9F55-2F6001FFDFDC}"/>
+                </a:ext>
+              </a:extLst>
+            </p:cNvPr>
+            <p:cNvSpPr txBox="1"/>
+            <p:nvPr/>
+          </p:nvSpPr>
+          <p:spPr>
+            <a:xfrm>
+              <a:off x="4472682" y="928749"/>
+              <a:ext cx="2789275" cy="1107996"/>
+            </a:xfrm>
+            <a:prstGeom prst="rect">
+              <a:avLst/>
+            </a:prstGeom>
+            <a:noFill/>
+          </p:spPr>
+          <p:txBody>
+            <a:bodyPr wrap="square" rtlCol="0">
+              <a:spAutoFit/>
+            </a:bodyPr>
+            <a:lstStyle/>
+            <a:p>
+              <a:pPr algn="ctr"/>
+              <a:r>
+                <a:rPr lang="de-DE" sz="6600" dirty="0">
+                  <a:latin typeface="Forte" panose="03060902040502070203" pitchFamily="66" charset="0"/>
+                  <a:cs typeface="Browallia New" panose="020B0502040204020203" pitchFamily="34" charset="-34"/>
+                </a:rPr>
+                <a:t>Tour</a:t>
+              </a:r>
+            </a:p>
+          </p:txBody>
+        </p:sp>
+      </p:grpSp>
+      <p:grpSp>
+        <p:nvGrpSpPr>
+          <p:cNvPr id="2" name="Gruppieren 1">
+            <a:extLst>
+              <a:ext uri="{FF2B5EF4-FFF2-40B4-BE49-F238E27FC236}">
+                <a16:creationId xmlns:a16="http://schemas.microsoft.com/office/drawing/2014/main" id="{0BAF128C-AFC7-46FD-93EE-1E990CC3DBA7}"/>
+              </a:ext>
+            </a:extLst>
+          </p:cNvPr>
+          <p:cNvGrpSpPr/>
+          <p:nvPr/>
+        </p:nvGrpSpPr>
+        <p:grpSpPr>
+          <a:xfrm>
+            <a:off x="824160" y="3376248"/>
+            <a:ext cx="3243452" cy="1543050"/>
+            <a:chOff x="2387489" y="3816620"/>
+            <a:chExt cx="3243452" cy="1543050"/>
+          </a:xfrm>
+        </p:grpSpPr>
+        <p:pic>
+          <p:nvPicPr>
+            <p:cNvPr id="6" name="Grafik 5">
+              <a:extLst>
+                <a:ext uri="{FF2B5EF4-FFF2-40B4-BE49-F238E27FC236}">
+                  <a16:creationId xmlns:a16="http://schemas.microsoft.com/office/drawing/2014/main" id="{5117E9D8-DF37-41D7-B309-5F63B9570E46}"/>
+                </a:ext>
+              </a:extLst>
+            </p:cNvPr>
+            <p:cNvPicPr>
+              <a:picLocks noChangeAspect="1"/>
+            </p:cNvPicPr>
+            <p:nvPr/>
+          </p:nvPicPr>
+          <p:blipFill>
+            <a:blip r:embed="rId2"/>
+            <a:stretch>
+              <a:fillRect/>
+            </a:stretch>
+          </p:blipFill>
+          <p:spPr>
+            <a:xfrm>
+              <a:off x="2387489" y="3816620"/>
+              <a:ext cx="3243452" cy="1543050"/>
+            </a:xfrm>
+            <a:prstGeom prst="rect">
+              <a:avLst/>
+            </a:prstGeom>
+          </p:spPr>
+        </p:pic>
+        <p:sp>
+          <p:nvSpPr>
+            <p:cNvPr id="27" name="Textfeld 26">
+              <a:extLst>
+                <a:ext uri="{FF2B5EF4-FFF2-40B4-BE49-F238E27FC236}">
+                  <a16:creationId xmlns:a16="http://schemas.microsoft.com/office/drawing/2014/main" id="{13133731-F882-4B6B-A660-BCA298C5DBFC}"/>
+                </a:ext>
+              </a:extLst>
+            </p:cNvPr>
+            <p:cNvSpPr txBox="1"/>
+            <p:nvPr/>
+          </p:nvSpPr>
+          <p:spPr>
+            <a:xfrm>
+              <a:off x="2584888" y="4093611"/>
+              <a:ext cx="3005050" cy="861774"/>
+            </a:xfrm>
+            <a:prstGeom prst="rect">
+              <a:avLst/>
+            </a:prstGeom>
+            <a:noFill/>
+          </p:spPr>
+          <p:txBody>
+            <a:bodyPr wrap="square" rtlCol="0">
+              <a:spAutoFit/>
+            </a:bodyPr>
+            <a:lstStyle/>
+            <a:p>
+              <a:pPr algn="ctr">
+                <a:lnSpc>
+                  <a:spcPts val="6000"/>
+                </a:lnSpc>
+              </a:pPr>
+              <a:r>
+                <a:rPr lang="de-DE" sz="6000" dirty="0">
+                  <a:latin typeface="Forte" panose="03060902040502070203" pitchFamily="66" charset="0"/>
+                  <a:cs typeface="Browallia New" panose="020B0502040204020203" pitchFamily="34" charset="-34"/>
+                </a:rPr>
+                <a:t>Tour Pro</a:t>
+              </a:r>
+            </a:p>
+          </p:txBody>
+        </p:sp>
+      </p:grpSp>
+    </p:spTree>
+    <p:extLst>
+      <p:ext uri="{BB962C8B-B14F-4D97-AF65-F5344CB8AC3E}">
+        <p14:creationId xmlns:p14="http://schemas.microsoft.com/office/powerpoint/2010/main" val="239224986"/>
+      </p:ext>
+    </p:extLst>
+  </p:cSld>
+  <p:clrMapOvr>
+    <a:masterClrMapping/>
+  </p:clrMapOvr>
+</p:sld>
+</file>
+
 <file path=ppt/theme/theme1.xml><?xml version="1.0" encoding="utf-8"?>
 <a:theme xmlns:a="http://schemas.openxmlformats.org/drawingml/2006/main" name="Office">
   <a:themeElements>

--- a/assets/Component Icons.pptx
+++ b/assets/Component Icons.pptx
@@ -369,7 +369,7 @@
           <a:p>
             <a:fld id="{01EAF452-0248-47D3-87EB-86F547FEC4D2}" type="datetimeFigureOut">
               <a:rPr lang="de-DE" smtClean="0"/>
-              <a:t>07.09.2022</a:t>
+              <a:t>03.10.2022</a:t>
             </a:fld>
             <a:endParaRPr lang="de-DE"/>
           </a:p>
@@ -567,7 +567,7 @@
           <a:p>
             <a:fld id="{01EAF452-0248-47D3-87EB-86F547FEC4D2}" type="datetimeFigureOut">
               <a:rPr lang="de-DE" smtClean="0"/>
-              <a:t>07.09.2022</a:t>
+              <a:t>03.10.2022</a:t>
             </a:fld>
             <a:endParaRPr lang="de-DE"/>
           </a:p>
@@ -775,7 +775,7 @@
           <a:p>
             <a:fld id="{01EAF452-0248-47D3-87EB-86F547FEC4D2}" type="datetimeFigureOut">
               <a:rPr lang="de-DE" smtClean="0"/>
-              <a:t>07.09.2022</a:t>
+              <a:t>03.10.2022</a:t>
             </a:fld>
             <a:endParaRPr lang="de-DE"/>
           </a:p>
@@ -973,7 +973,7 @@
           <a:p>
             <a:fld id="{01EAF452-0248-47D3-87EB-86F547FEC4D2}" type="datetimeFigureOut">
               <a:rPr lang="de-DE" smtClean="0"/>
-              <a:t>07.09.2022</a:t>
+              <a:t>03.10.2022</a:t>
             </a:fld>
             <a:endParaRPr lang="de-DE"/>
           </a:p>
@@ -1248,7 +1248,7 @@
           <a:p>
             <a:fld id="{01EAF452-0248-47D3-87EB-86F547FEC4D2}" type="datetimeFigureOut">
               <a:rPr lang="de-DE" smtClean="0"/>
-              <a:t>07.09.2022</a:t>
+              <a:t>03.10.2022</a:t>
             </a:fld>
             <a:endParaRPr lang="de-DE"/>
           </a:p>
@@ -1513,7 +1513,7 @@
           <a:p>
             <a:fld id="{01EAF452-0248-47D3-87EB-86F547FEC4D2}" type="datetimeFigureOut">
               <a:rPr lang="de-DE" smtClean="0"/>
-              <a:t>07.09.2022</a:t>
+              <a:t>03.10.2022</a:t>
             </a:fld>
             <a:endParaRPr lang="de-DE"/>
           </a:p>
@@ -1925,7 +1925,7 @@
           <a:p>
             <a:fld id="{01EAF452-0248-47D3-87EB-86F547FEC4D2}" type="datetimeFigureOut">
               <a:rPr lang="de-DE" smtClean="0"/>
-              <a:t>07.09.2022</a:t>
+              <a:t>03.10.2022</a:t>
             </a:fld>
             <a:endParaRPr lang="de-DE"/>
           </a:p>
@@ -2066,7 +2066,7 @@
           <a:p>
             <a:fld id="{01EAF452-0248-47D3-87EB-86F547FEC4D2}" type="datetimeFigureOut">
               <a:rPr lang="de-DE" smtClean="0"/>
-              <a:t>07.09.2022</a:t>
+              <a:t>03.10.2022</a:t>
             </a:fld>
             <a:endParaRPr lang="de-DE"/>
           </a:p>
@@ -2179,7 +2179,7 @@
           <a:p>
             <a:fld id="{01EAF452-0248-47D3-87EB-86F547FEC4D2}" type="datetimeFigureOut">
               <a:rPr lang="de-DE" smtClean="0"/>
-              <a:t>07.09.2022</a:t>
+              <a:t>03.10.2022</a:t>
             </a:fld>
             <a:endParaRPr lang="de-DE"/>
           </a:p>
@@ -2490,7 +2490,7 @@
           <a:p>
             <a:fld id="{01EAF452-0248-47D3-87EB-86F547FEC4D2}" type="datetimeFigureOut">
               <a:rPr lang="de-DE" smtClean="0"/>
-              <a:t>07.09.2022</a:t>
+              <a:t>03.10.2022</a:t>
             </a:fld>
             <a:endParaRPr lang="de-DE"/>
           </a:p>
@@ -2778,7 +2778,7 @@
           <a:p>
             <a:fld id="{01EAF452-0248-47D3-87EB-86F547FEC4D2}" type="datetimeFigureOut">
               <a:rPr lang="de-DE" smtClean="0"/>
-              <a:t>07.09.2022</a:t>
+              <a:t>03.10.2022</a:t>
             </a:fld>
             <a:endParaRPr lang="de-DE"/>
           </a:p>
@@ -3019,7 +3019,7 @@
           <a:p>
             <a:fld id="{01EAF452-0248-47D3-87EB-86F547FEC4D2}" type="datetimeFigureOut">
               <a:rPr lang="de-DE" smtClean="0"/>
-              <a:t>07.09.2022</a:t>
+              <a:t>03.10.2022</a:t>
             </a:fld>
             <a:endParaRPr lang="de-DE"/>
           </a:p>
@@ -3684,7 +3684,14 @@
                 <a:latin typeface="Forte" panose="03060902040502070203" pitchFamily="66" charset="0"/>
                 <a:cs typeface="Browallia New" panose="020B0502040204020203" pitchFamily="34" charset="-34"/>
               </a:rPr>
-              <a:t>Image Upload</a:t>
+              <a:t>Image </a:t>
+            </a:r>
+            <a:r>
+              <a:rPr lang="de-DE" sz="4800" dirty="0" err="1">
+                <a:latin typeface="Forte" panose="03060902040502070203" pitchFamily="66" charset="0"/>
+                <a:cs typeface="Browallia New" panose="020B0502040204020203" pitchFamily="34" charset="-34"/>
+              </a:rPr>
+              <a:t>Cropper</a:t>
             </a:r>
             <a:endParaRPr lang="de-DE" sz="6000" dirty="0">
               <a:latin typeface="Forte" panose="03060902040502070203" pitchFamily="66" charset="0"/>
@@ -3757,7 +3764,21 @@
                 <a:latin typeface="Forte" panose="03060902040502070203" pitchFamily="66" charset="0"/>
                 <a:cs typeface="Browallia New" panose="020B0502040204020203" pitchFamily="34" charset="-34"/>
               </a:rPr>
-              <a:t>Image Upload Pro</a:t>
+              <a:t>Image </a:t>
+            </a:r>
+            <a:r>
+              <a:rPr lang="de-DE" sz="4800" dirty="0" err="1">
+                <a:latin typeface="Forte" panose="03060902040502070203" pitchFamily="66" charset="0"/>
+                <a:cs typeface="Browallia New" panose="020B0502040204020203" pitchFamily="34" charset="-34"/>
+              </a:rPr>
+              <a:t>Cropper</a:t>
+            </a:r>
+            <a:r>
+              <a:rPr lang="de-DE" sz="4800" dirty="0">
+                <a:latin typeface="Forte" panose="03060902040502070203" pitchFamily="66" charset="0"/>
+                <a:cs typeface="Browallia New" panose="020B0502040204020203" pitchFamily="34" charset="-34"/>
+              </a:rPr>
+              <a:t> Pro</a:t>
             </a:r>
             <a:endParaRPr lang="de-DE" sz="6000" dirty="0">
               <a:latin typeface="Forte" panose="03060902040502070203" pitchFamily="66" charset="0"/>

--- a/assets/Component Icons.pptx
+++ b/assets/Component Icons.pptx
@@ -369,7 +369,7 @@
           <a:p>
             <a:fld id="{01EAF452-0248-47D3-87EB-86F547FEC4D2}" type="datetimeFigureOut">
               <a:rPr lang="de-DE" smtClean="0"/>
-              <a:t>03.10.2022</a:t>
+              <a:t>12.10.2022</a:t>
             </a:fld>
             <a:endParaRPr lang="de-DE"/>
           </a:p>
@@ -567,7 +567,7 @@
           <a:p>
             <a:fld id="{01EAF452-0248-47D3-87EB-86F547FEC4D2}" type="datetimeFigureOut">
               <a:rPr lang="de-DE" smtClean="0"/>
-              <a:t>03.10.2022</a:t>
+              <a:t>12.10.2022</a:t>
             </a:fld>
             <a:endParaRPr lang="de-DE"/>
           </a:p>
@@ -775,7 +775,7 @@
           <a:p>
             <a:fld id="{01EAF452-0248-47D3-87EB-86F547FEC4D2}" type="datetimeFigureOut">
               <a:rPr lang="de-DE" smtClean="0"/>
-              <a:t>03.10.2022</a:t>
+              <a:t>12.10.2022</a:t>
             </a:fld>
             <a:endParaRPr lang="de-DE"/>
           </a:p>
@@ -973,7 +973,7 @@
           <a:p>
             <a:fld id="{01EAF452-0248-47D3-87EB-86F547FEC4D2}" type="datetimeFigureOut">
               <a:rPr lang="de-DE" smtClean="0"/>
-              <a:t>03.10.2022</a:t>
+              <a:t>12.10.2022</a:t>
             </a:fld>
             <a:endParaRPr lang="de-DE"/>
           </a:p>
@@ -1248,7 +1248,7 @@
           <a:p>
             <a:fld id="{01EAF452-0248-47D3-87EB-86F547FEC4D2}" type="datetimeFigureOut">
               <a:rPr lang="de-DE" smtClean="0"/>
-              <a:t>03.10.2022</a:t>
+              <a:t>12.10.2022</a:t>
             </a:fld>
             <a:endParaRPr lang="de-DE"/>
           </a:p>
@@ -1513,7 +1513,7 @@
           <a:p>
             <a:fld id="{01EAF452-0248-47D3-87EB-86F547FEC4D2}" type="datetimeFigureOut">
               <a:rPr lang="de-DE" smtClean="0"/>
-              <a:t>03.10.2022</a:t>
+              <a:t>12.10.2022</a:t>
             </a:fld>
             <a:endParaRPr lang="de-DE"/>
           </a:p>
@@ -1925,7 +1925,7 @@
           <a:p>
             <a:fld id="{01EAF452-0248-47D3-87EB-86F547FEC4D2}" type="datetimeFigureOut">
               <a:rPr lang="de-DE" smtClean="0"/>
-              <a:t>03.10.2022</a:t>
+              <a:t>12.10.2022</a:t>
             </a:fld>
             <a:endParaRPr lang="de-DE"/>
           </a:p>
@@ -2066,7 +2066,7 @@
           <a:p>
             <a:fld id="{01EAF452-0248-47D3-87EB-86F547FEC4D2}" type="datetimeFigureOut">
               <a:rPr lang="de-DE" smtClean="0"/>
-              <a:t>03.10.2022</a:t>
+              <a:t>12.10.2022</a:t>
             </a:fld>
             <a:endParaRPr lang="de-DE"/>
           </a:p>
@@ -2179,7 +2179,7 @@
           <a:p>
             <a:fld id="{01EAF452-0248-47D3-87EB-86F547FEC4D2}" type="datetimeFigureOut">
               <a:rPr lang="de-DE" smtClean="0"/>
-              <a:t>03.10.2022</a:t>
+              <a:t>12.10.2022</a:t>
             </a:fld>
             <a:endParaRPr lang="de-DE"/>
           </a:p>
@@ -2490,7 +2490,7 @@
           <a:p>
             <a:fld id="{01EAF452-0248-47D3-87EB-86F547FEC4D2}" type="datetimeFigureOut">
               <a:rPr lang="de-DE" smtClean="0"/>
-              <a:t>03.10.2022</a:t>
+              <a:t>12.10.2022</a:t>
             </a:fld>
             <a:endParaRPr lang="de-DE"/>
           </a:p>
@@ -2778,7 +2778,7 @@
           <a:p>
             <a:fld id="{01EAF452-0248-47D3-87EB-86F547FEC4D2}" type="datetimeFigureOut">
               <a:rPr lang="de-DE" smtClean="0"/>
-              <a:t>03.10.2022</a:t>
+              <a:t>12.10.2022</a:t>
             </a:fld>
             <a:endParaRPr lang="de-DE"/>
           </a:p>
@@ -3019,7 +3019,7 @@
           <a:p>
             <a:fld id="{01EAF452-0248-47D3-87EB-86F547FEC4D2}" type="datetimeFigureOut">
               <a:rPr lang="de-DE" smtClean="0"/>
-              <a:t>03.10.2022</a:t>
+              <a:t>12.10.2022</a:t>
             </a:fld>
             <a:endParaRPr lang="de-DE"/>
           </a:p>
@@ -3921,10 +3921,10 @@
         </p:nvGrpSpPr>
         <p:grpSpPr>
           <a:xfrm>
-            <a:off x="824160" y="3376248"/>
-            <a:ext cx="3243452" cy="1543050"/>
-            <a:chOff x="2387489" y="3816620"/>
-            <a:chExt cx="3243452" cy="1543050"/>
+            <a:off x="6309261" y="3528648"/>
+            <a:ext cx="3284455" cy="1647374"/>
+            <a:chOff x="2346486" y="3816620"/>
+            <a:chExt cx="3284455" cy="1647374"/>
           </a:xfrm>
         </p:grpSpPr>
         <p:pic>
@@ -3971,6 +3971,100 @@
           </p:nvSpPr>
           <p:spPr>
             <a:xfrm>
+              <a:off x="2346486" y="3816620"/>
+              <a:ext cx="3005050" cy="1647374"/>
+            </a:xfrm>
+            <a:prstGeom prst="rect">
+              <a:avLst/>
+            </a:prstGeom>
+            <a:noFill/>
+          </p:spPr>
+          <p:txBody>
+            <a:bodyPr wrap="square" rtlCol="0">
+              <a:spAutoFit/>
+            </a:bodyPr>
+            <a:lstStyle/>
+            <a:p>
+              <a:pPr algn="ctr">
+                <a:lnSpc>
+                  <a:spcPts val="4000"/>
+                </a:lnSpc>
+              </a:pPr>
+              <a:r>
+                <a:rPr lang="de-DE" sz="4400" dirty="0">
+                  <a:latin typeface="Forte" panose="03060902040502070203" pitchFamily="66" charset="0"/>
+                  <a:cs typeface="Browallia New" panose="020B0502040204020203" pitchFamily="34" charset="-34"/>
+                </a:rPr>
+                <a:t>File Manager Pro</a:t>
+              </a:r>
+            </a:p>
+          </p:txBody>
+        </p:sp>
+      </p:grpSp>
+      <p:grpSp>
+        <p:nvGrpSpPr>
+          <p:cNvPr id="8" name="Gruppieren 7">
+            <a:extLst>
+              <a:ext uri="{FF2B5EF4-FFF2-40B4-BE49-F238E27FC236}">
+                <a16:creationId xmlns:a16="http://schemas.microsoft.com/office/drawing/2014/main" id="{DBCA5780-920E-4D30-921D-3C86F43009DC}"/>
+              </a:ext>
+            </a:extLst>
+          </p:cNvPr>
+          <p:cNvGrpSpPr/>
+          <p:nvPr/>
+        </p:nvGrpSpPr>
+        <p:grpSpPr>
+          <a:xfrm>
+            <a:off x="976560" y="3528648"/>
+            <a:ext cx="3243452" cy="1543050"/>
+            <a:chOff x="2387489" y="3816620"/>
+            <a:chExt cx="3243452" cy="1543050"/>
+          </a:xfrm>
+        </p:grpSpPr>
+        <p:pic>
+          <p:nvPicPr>
+            <p:cNvPr id="9" name="Grafik 8">
+              <a:extLst>
+                <a:ext uri="{FF2B5EF4-FFF2-40B4-BE49-F238E27FC236}">
+                  <a16:creationId xmlns:a16="http://schemas.microsoft.com/office/drawing/2014/main" id="{F6545908-8F2F-4BF9-8239-012C8F11F609}"/>
+                </a:ext>
+              </a:extLst>
+            </p:cNvPr>
+            <p:cNvPicPr>
+              <a:picLocks noChangeAspect="1"/>
+            </p:cNvPicPr>
+            <p:nvPr/>
+          </p:nvPicPr>
+          <p:blipFill>
+            <a:blip r:embed="rId2"/>
+            <a:stretch>
+              <a:fillRect/>
+            </a:stretch>
+          </p:blipFill>
+          <p:spPr>
+            <a:xfrm>
+              <a:off x="2387489" y="3816620"/>
+              <a:ext cx="3243452" cy="1543050"/>
+            </a:xfrm>
+            <a:prstGeom prst="rect">
+              <a:avLst/>
+            </a:prstGeom>
+          </p:spPr>
+        </p:pic>
+        <p:sp>
+          <p:nvSpPr>
+            <p:cNvPr id="10" name="Textfeld 9">
+              <a:extLst>
+                <a:ext uri="{FF2B5EF4-FFF2-40B4-BE49-F238E27FC236}">
+                  <a16:creationId xmlns:a16="http://schemas.microsoft.com/office/drawing/2014/main" id="{AD4B4E86-6A86-4689-88E0-3BC0636CC797}"/>
+                </a:ext>
+              </a:extLst>
+            </p:cNvPr>
+            <p:cNvSpPr txBox="1"/>
+            <p:nvPr/>
+          </p:nvSpPr>
+          <p:spPr>
+            <a:xfrm>
               <a:off x="2584888" y="4093611"/>
               <a:ext cx="3005050" cy="861774"/>
             </a:xfrm>
@@ -3996,6 +4090,100 @@
                   <a:cs typeface="Browallia New" panose="020B0502040204020203" pitchFamily="34" charset="-34"/>
                 </a:rPr>
                 <a:t>Tour Pro</a:t>
+              </a:r>
+            </a:p>
+          </p:txBody>
+        </p:sp>
+      </p:grpSp>
+      <p:grpSp>
+        <p:nvGrpSpPr>
+          <p:cNvPr id="11" name="Gruppieren 10">
+            <a:extLst>
+              <a:ext uri="{FF2B5EF4-FFF2-40B4-BE49-F238E27FC236}">
+                <a16:creationId xmlns:a16="http://schemas.microsoft.com/office/drawing/2014/main" id="{A38EB14B-BFB8-490F-96DD-5144D039162B}"/>
+              </a:ext>
+            </a:extLst>
+          </p:cNvPr>
+          <p:cNvGrpSpPr/>
+          <p:nvPr/>
+        </p:nvGrpSpPr>
+        <p:grpSpPr>
+          <a:xfrm>
+            <a:off x="6210561" y="614117"/>
+            <a:ext cx="3243452" cy="1543050"/>
+            <a:chOff x="2387489" y="3816620"/>
+            <a:chExt cx="3243452" cy="1543050"/>
+          </a:xfrm>
+        </p:grpSpPr>
+        <p:pic>
+          <p:nvPicPr>
+            <p:cNvPr id="12" name="Grafik 11">
+              <a:extLst>
+                <a:ext uri="{FF2B5EF4-FFF2-40B4-BE49-F238E27FC236}">
+                  <a16:creationId xmlns:a16="http://schemas.microsoft.com/office/drawing/2014/main" id="{B40DF774-D2B0-4857-8240-5927E858FAEA}"/>
+                </a:ext>
+              </a:extLst>
+            </p:cNvPr>
+            <p:cNvPicPr>
+              <a:picLocks noChangeAspect="1"/>
+            </p:cNvPicPr>
+            <p:nvPr/>
+          </p:nvPicPr>
+          <p:blipFill>
+            <a:blip r:embed="rId2"/>
+            <a:stretch>
+              <a:fillRect/>
+            </a:stretch>
+          </p:blipFill>
+          <p:spPr>
+            <a:xfrm>
+              <a:off x="2387489" y="3816620"/>
+              <a:ext cx="3243452" cy="1543050"/>
+            </a:xfrm>
+            <a:prstGeom prst="rect">
+              <a:avLst/>
+            </a:prstGeom>
+          </p:spPr>
+        </p:pic>
+        <p:sp>
+          <p:nvSpPr>
+            <p:cNvPr id="13" name="Textfeld 12">
+              <a:extLst>
+                <a:ext uri="{FF2B5EF4-FFF2-40B4-BE49-F238E27FC236}">
+                  <a16:creationId xmlns:a16="http://schemas.microsoft.com/office/drawing/2014/main" id="{704BBD92-090B-4003-A8E1-05D5C755A33D}"/>
+                </a:ext>
+              </a:extLst>
+            </p:cNvPr>
+            <p:cNvSpPr txBox="1"/>
+            <p:nvPr/>
+          </p:nvSpPr>
+          <p:spPr>
+            <a:xfrm>
+              <a:off x="2486189" y="3952073"/>
+              <a:ext cx="3005050" cy="1272143"/>
+            </a:xfrm>
+            <a:prstGeom prst="rect">
+              <a:avLst/>
+            </a:prstGeom>
+            <a:noFill/>
+          </p:spPr>
+          <p:txBody>
+            <a:bodyPr wrap="square" rtlCol="0">
+              <a:spAutoFit/>
+            </a:bodyPr>
+            <a:lstStyle/>
+            <a:p>
+              <a:pPr algn="ctr">
+                <a:lnSpc>
+                  <a:spcPts val="4600"/>
+                </a:lnSpc>
+              </a:pPr>
+              <a:r>
+                <a:rPr lang="de-DE" sz="4800" dirty="0">
+                  <a:latin typeface="Forte" panose="03060902040502070203" pitchFamily="66" charset="0"/>
+                  <a:cs typeface="Browallia New" panose="020B0502040204020203" pitchFamily="34" charset="-34"/>
+                </a:rPr>
+                <a:t>File Manager</a:t>
               </a:r>
             </a:p>
           </p:txBody>
